--- a/Explanation Honeypot.pptx
+++ b/Explanation Honeypot.pptx
@@ -4025,12 +4025,28 @@
             <p:ph type="title"/>
           </p:nvPr>
         </p:nvSpPr>
-        <p:spPr/>
+        <p:spPr>
+          <a:xfrm>
+            <a:off x="502920" y="5180678"/>
+            <a:ext cx="8183880" cy="677214"/>
+          </a:xfrm>
+        </p:spPr>
         <p:txBody>
           <a:bodyPr/>
           <a:lstStyle/>
           <a:p>
-            <a:endParaRPr lang="ar-SA"/>
+            <a:pPr algn="ctr"/>
+            <a:r>
+              <a:rPr lang="ar-DZ" dirty="0" smtClean="0">
+                <a:latin typeface="Times New Roman" pitchFamily="18" charset="0"/>
+                <a:cs typeface="Times New Roman" pitchFamily="18" charset="0"/>
+              </a:rPr>
+              <a:t>اصطياد مخترقي الشبكات</a:t>
+            </a:r>
+            <a:endParaRPr lang="ar-SA" dirty="0">
+              <a:latin typeface="Times New Roman" pitchFamily="18" charset="0"/>
+              <a:cs typeface="Times New Roman" pitchFamily="18" charset="0"/>
+            </a:endParaRPr>
           </a:p>
         </p:txBody>
       </p:sp>
@@ -4049,7 +4065,15 @@
           <a:bodyPr/>
           <a:lstStyle/>
           <a:p>
-            <a:endParaRPr lang="ar-SA"/>
+            <a:r>
+              <a:rPr lang="ar-DZ" dirty="0" smtClean="0"/>
+              <a:t> </a:t>
+            </a:r>
+            <a:r>
+              <a:rPr lang="fr-FR" smtClean="0"/>
+              <a:t>hamza</a:t>
+            </a:r>
+            <a:endParaRPr lang="ar-SA" dirty="0"/>
           </a:p>
         </p:txBody>
       </p:sp>

--- a/Explanation Honeypot.pptx
+++ b/Explanation Honeypot.pptx
@@ -414,6 +414,7 @@
           <a:p>
             <a:fld id="{05C48856-D91E-4B7D-AF9A-61E21CACD92D}" type="datetimeFigureOut">
               <a:rPr lang="ar-SA" smtClean="0"/>
+              <a:pPr/>
               <a:t>01/04/1439</a:t>
             </a:fld>
             <a:endParaRPr lang="ar-SA"/>
@@ -460,6 +461,7 @@
           <a:p>
             <a:fld id="{2D82F1CB-64F1-4E71-BC42-E4A147C7E917}" type="slidenum">
               <a:rPr lang="ar-SA" smtClean="0"/>
+              <a:pPr/>
               <a:t>‹#›</a:t>
             </a:fld>
             <a:endParaRPr lang="ar-SA"/>
@@ -599,6 +601,7 @@
           <a:p>
             <a:fld id="{05C48856-D91E-4B7D-AF9A-61E21CACD92D}" type="datetimeFigureOut">
               <a:rPr lang="ar-SA" smtClean="0"/>
+              <a:pPr/>
               <a:t>01/04/1439</a:t>
             </a:fld>
             <a:endParaRPr lang="ar-SA"/>
@@ -645,6 +648,7 @@
           <a:p>
             <a:fld id="{2D82F1CB-64F1-4E71-BC42-E4A147C7E917}" type="slidenum">
               <a:rPr lang="ar-SA" smtClean="0"/>
+              <a:pPr/>
               <a:t>‹#›</a:t>
             </a:fld>
             <a:endParaRPr lang="ar-SA"/>
@@ -784,6 +788,7 @@
           <a:p>
             <a:fld id="{05C48856-D91E-4B7D-AF9A-61E21CACD92D}" type="datetimeFigureOut">
               <a:rPr lang="ar-SA" smtClean="0"/>
+              <a:pPr/>
               <a:t>01/04/1439</a:t>
             </a:fld>
             <a:endParaRPr lang="ar-SA"/>
@@ -830,6 +835,7 @@
           <a:p>
             <a:fld id="{2D82F1CB-64F1-4E71-BC42-E4A147C7E917}" type="slidenum">
               <a:rPr lang="ar-SA" smtClean="0"/>
+              <a:pPr/>
               <a:t>‹#›</a:t>
             </a:fld>
             <a:endParaRPr lang="ar-SA"/>
@@ -969,6 +975,7 @@
           <a:p>
             <a:fld id="{05C48856-D91E-4B7D-AF9A-61E21CACD92D}" type="datetimeFigureOut">
               <a:rPr lang="ar-SA" smtClean="0"/>
+              <a:pPr/>
               <a:t>01/04/1439</a:t>
             </a:fld>
             <a:endParaRPr lang="ar-SA"/>
@@ -1015,6 +1022,7 @@
           <a:p>
             <a:fld id="{2D82F1CB-64F1-4E71-BC42-E4A147C7E917}" type="slidenum">
               <a:rPr lang="ar-SA" smtClean="0"/>
+              <a:pPr/>
               <a:t>‹#›</a:t>
             </a:fld>
             <a:endParaRPr lang="ar-SA"/>
@@ -1350,6 +1358,7 @@
           <a:p>
             <a:fld id="{05C48856-D91E-4B7D-AF9A-61E21CACD92D}" type="datetimeFigureOut">
               <a:rPr lang="ar-SA" smtClean="0"/>
+              <a:pPr/>
               <a:t>01/04/1439</a:t>
             </a:fld>
             <a:endParaRPr lang="ar-SA"/>
@@ -1396,6 +1405,7 @@
           <a:p>
             <a:fld id="{2D82F1CB-64F1-4E71-BC42-E4A147C7E917}" type="slidenum">
               <a:rPr lang="ar-SA" smtClean="0"/>
+              <a:pPr/>
               <a:t>‹#›</a:t>
             </a:fld>
             <a:endParaRPr lang="ar-SA"/>
@@ -1619,6 +1629,7 @@
           <a:p>
             <a:fld id="{05C48856-D91E-4B7D-AF9A-61E21CACD92D}" type="datetimeFigureOut">
               <a:rPr lang="ar-SA" smtClean="0"/>
+              <a:pPr/>
               <a:t>01/04/1439</a:t>
             </a:fld>
             <a:endParaRPr lang="ar-SA"/>
@@ -1665,6 +1676,7 @@
           <a:p>
             <a:fld id="{2D82F1CB-64F1-4E71-BC42-E4A147C7E917}" type="slidenum">
               <a:rPr lang="ar-SA" smtClean="0"/>
+              <a:pPr/>
               <a:t>‹#›</a:t>
             </a:fld>
             <a:endParaRPr lang="ar-SA"/>
@@ -2004,6 +2016,7 @@
           <a:p>
             <a:fld id="{05C48856-D91E-4B7D-AF9A-61E21CACD92D}" type="datetimeFigureOut">
               <a:rPr lang="ar-SA" smtClean="0"/>
+              <a:pPr/>
               <a:t>01/04/1439</a:t>
             </a:fld>
             <a:endParaRPr lang="ar-SA"/>
@@ -2050,6 +2063,7 @@
           <a:p>
             <a:fld id="{2D82F1CB-64F1-4E71-BC42-E4A147C7E917}" type="slidenum">
               <a:rPr lang="ar-SA" smtClean="0"/>
+              <a:pPr/>
               <a:t>‹#›</a:t>
             </a:fld>
             <a:endParaRPr lang="ar-SA"/>
@@ -2125,6 +2139,7 @@
           <a:p>
             <a:fld id="{05C48856-D91E-4B7D-AF9A-61E21CACD92D}" type="datetimeFigureOut">
               <a:rPr lang="ar-SA" smtClean="0"/>
+              <a:pPr/>
               <a:t>01/04/1439</a:t>
             </a:fld>
             <a:endParaRPr lang="ar-SA"/>
@@ -2171,6 +2186,7 @@
           <a:p>
             <a:fld id="{2D82F1CB-64F1-4E71-BC42-E4A147C7E917}" type="slidenum">
               <a:rPr lang="ar-SA" smtClean="0"/>
+              <a:pPr/>
               <a:t>‹#›</a:t>
             </a:fld>
             <a:endParaRPr lang="ar-SA"/>
@@ -2305,6 +2321,7 @@
           <a:p>
             <a:fld id="{05C48856-D91E-4B7D-AF9A-61E21CACD92D}" type="datetimeFigureOut">
               <a:rPr lang="ar-SA" smtClean="0"/>
+              <a:pPr/>
               <a:t>01/04/1439</a:t>
             </a:fld>
             <a:endParaRPr lang="ar-SA"/>
@@ -2351,6 +2368,7 @@
           <a:p>
             <a:fld id="{2D82F1CB-64F1-4E71-BC42-E4A147C7E917}" type="slidenum">
               <a:rPr lang="ar-SA" smtClean="0"/>
+              <a:pPr/>
               <a:t>‹#›</a:t>
             </a:fld>
             <a:endParaRPr lang="ar-SA"/>
@@ -2639,6 +2657,7 @@
           <a:p>
             <a:fld id="{05C48856-D91E-4B7D-AF9A-61E21CACD92D}" type="datetimeFigureOut">
               <a:rPr lang="ar-SA" smtClean="0"/>
+              <a:pPr/>
               <a:t>01/04/1439</a:t>
             </a:fld>
             <a:endParaRPr lang="ar-SA"/>
@@ -2685,6 +2704,7 @@
           <a:p>
             <a:fld id="{2D82F1CB-64F1-4E71-BC42-E4A147C7E917}" type="slidenum">
               <a:rPr lang="ar-SA" smtClean="0"/>
+              <a:pPr/>
               <a:t>‹#›</a:t>
             </a:fld>
             <a:endParaRPr lang="ar-SA"/>
@@ -3008,6 +3028,7 @@
           <a:p>
             <a:fld id="{05C48856-D91E-4B7D-AF9A-61E21CACD92D}" type="datetimeFigureOut">
               <a:rPr lang="ar-SA" smtClean="0"/>
+              <a:pPr/>
               <a:t>01/04/1439</a:t>
             </a:fld>
             <a:endParaRPr lang="ar-SA"/>
@@ -3054,6 +3075,7 @@
           <a:p>
             <a:fld id="{2D82F1CB-64F1-4E71-BC42-E4A147C7E917}" type="slidenum">
               <a:rPr lang="ar-SA" smtClean="0"/>
+              <a:pPr/>
               <a:t>‹#›</a:t>
             </a:fld>
             <a:endParaRPr lang="ar-SA"/>
@@ -3426,6 +3448,7 @@
           <a:p>
             <a:fld id="{05C48856-D91E-4B7D-AF9A-61E21CACD92D}" type="datetimeFigureOut">
               <a:rPr lang="ar-SA" smtClean="0"/>
+              <a:pPr/>
               <a:t>01/04/1439</a:t>
             </a:fld>
             <a:endParaRPr lang="ar-SA"/>
@@ -3506,6 +3529,7 @@
           <a:p>
             <a:fld id="{2D82F1CB-64F1-4E71-BC42-E4A147C7E917}" type="slidenum">
               <a:rPr lang="ar-SA" smtClean="0"/>
+              <a:pPr/>
               <a:t>‹#›</a:t>
             </a:fld>
             <a:endParaRPr lang="ar-SA"/>
@@ -4070,8 +4094,19 @@
               <a:t> </a:t>
             </a:r>
             <a:r>
+              <a:rPr lang="fr-FR" dirty="0" smtClean="0"/>
+              <a:t>hamza</a:t>
+            </a:r>
+            <a:endParaRPr lang="ar-DZ" dirty="0" smtClean="0"/>
+          </a:p>
+          <a:p>
+            <a:r>
+              <a:rPr lang="ar-DZ" dirty="0" smtClean="0"/>
+              <a:t> </a:t>
+            </a:r>
+            <a:r>
               <a:rPr lang="fr-FR" smtClean="0"/>
-              <a:t>hamza</a:t>
+              <a:t>Brahim</a:t>
             </a:r>
             <a:endParaRPr lang="ar-SA" dirty="0"/>
           </a:p>

--- a/Explanation Honeypot.pptx
+++ b/Explanation Honeypot.pptx
@@ -7,6 +7,8 @@
   <p:sldIdLst>
     <p:sldId id="256" r:id="rId2"/>
     <p:sldId id="257" r:id="rId3"/>
+    <p:sldId id="258" r:id="rId4"/>
+    <p:sldId id="259" r:id="rId5"/>
   </p:sldIdLst>
   <p:sldSz cx="9144000" cy="6858000" type="screen4x3"/>
   <p:notesSz cx="6858000" cy="9144000"/>
@@ -4014,11 +4016,42 @@
           </a:p>
         </p:txBody>
       </p:sp>
+      <p:pic>
+        <p:nvPicPr>
+          <p:cNvPr id="4" name="صورة 3" descr="honeypot_big_logo-c551a80e.png"/>
+          <p:cNvPicPr>
+            <a:picLocks noChangeAspect="1"/>
+          </p:cNvPicPr>
+          <p:nvPr/>
+        </p:nvPicPr>
+        <p:blipFill>
+          <a:blip r:embed="rId2" cstate="print"/>
+          <a:stretch>
+            <a:fillRect/>
+          </a:stretch>
+        </p:blipFill>
+        <p:spPr>
+          <a:xfrm>
+            <a:off x="7000892" y="5214950"/>
+            <a:ext cx="1798438" cy="1285884"/>
+          </a:xfrm>
+          <a:prstGeom prst="rect">
+            <a:avLst/>
+          </a:prstGeom>
+        </p:spPr>
+      </p:pic>
     </p:spTree>
   </p:cSld>
   <p:clrMapOvr>
     <a:masterClrMapping/>
   </p:clrMapOvr>
+  <p:timing>
+    <p:tnLst>
+      <p:par>
+        <p:cTn id="1" dur="indefinite" restart="never" nodeType="tmRoot"/>
+      </p:par>
+    </p:tnLst>
+  </p:timing>
 </p:sld>
 </file>
 
@@ -4086,37 +4119,429 @@
         </p:nvSpPr>
         <p:spPr/>
         <p:txBody>
-          <a:bodyPr/>
+          <a:bodyPr>
+            <a:noAutofit/>
+          </a:bodyPr>
           <a:lstStyle/>
           <a:p>
-            <a:r>
-              <a:rPr lang="ar-DZ" dirty="0" smtClean="0"/>
+            <a:pPr>
+              <a:lnSpc>
+                <a:spcPct val="150000"/>
+              </a:lnSpc>
+            </a:pPr>
+            <a:r>
+              <a:rPr lang="ar-DZ" sz="3600" dirty="0" smtClean="0">
+                <a:latin typeface="Times New Roman" pitchFamily="18" charset="0"/>
+                <a:cs typeface="DecoType Naskh" pitchFamily="2" charset="-78"/>
+              </a:rPr>
               <a:t> </a:t>
             </a:r>
             <a:r>
-              <a:rPr lang="fr-FR" dirty="0" smtClean="0"/>
-              <a:t>hamza</a:t>
-            </a:r>
-            <a:endParaRPr lang="ar-DZ" dirty="0" smtClean="0"/>
-          </a:p>
-          <a:p>
-            <a:r>
-              <a:rPr lang="ar-DZ" dirty="0" smtClean="0"/>
-              <a:t> </a:t>
-            </a:r>
-            <a:r>
-              <a:rPr lang="fr-FR" smtClean="0"/>
-              <a:t>Brahim</a:t>
-            </a:r>
-            <a:endParaRPr lang="ar-SA" dirty="0"/>
-          </a:p>
-        </p:txBody>
-      </p:sp>
+              <a:rPr lang="ar-SA" sz="3600" dirty="0" smtClean="0">
+                <a:latin typeface="Times New Roman" pitchFamily="18" charset="0"/>
+                <a:cs typeface="DecoType Naskh" pitchFamily="2" charset="-78"/>
+              </a:rPr>
+              <a:t>هي عبارة عن أنظمة ترتكز فكرتها الأساسية على تضليل المخترقين ومختبري الاختراق وتتبع تحركاتهم داخل النظام ، عبر </a:t>
+            </a:r>
+            <a:r>
+              <a:rPr lang="ar-SA" sz="3600" dirty="0" smtClean="0">
+                <a:latin typeface="Times New Roman" pitchFamily="18" charset="0"/>
+                <a:cs typeface="DecoType Naskh" pitchFamily="2" charset="-78"/>
+              </a:rPr>
+              <a:t>إنشاء </a:t>
+            </a:r>
+            <a:r>
+              <a:rPr lang="ar-SA" sz="3600" dirty="0" smtClean="0">
+                <a:latin typeface="Times New Roman" pitchFamily="18" charset="0"/>
+                <a:cs typeface="DecoType Naskh" pitchFamily="2" charset="-78"/>
+              </a:rPr>
+              <a:t>أنظمة وهمية مليئة بالثغرات لإيهام المخترق بأنه نجح في اختراق النظام. ولكنه فعليا اخترق نظام وهمي ولم يصل لأي شيء داخل الشبكة .</a:t>
+            </a:r>
+            <a:endParaRPr lang="ar-SA" sz="3600" dirty="0">
+              <a:latin typeface="Times New Roman" pitchFamily="18" charset="0"/>
+              <a:cs typeface="DecoType Naskh" pitchFamily="2" charset="-78"/>
+            </a:endParaRPr>
+          </a:p>
+        </p:txBody>
+      </p:sp>
+      <p:pic>
+        <p:nvPicPr>
+          <p:cNvPr id="5" name="صورة 4" descr="honeypot_big_logo-c551a80e.png"/>
+          <p:cNvPicPr>
+            <a:picLocks noChangeAspect="1"/>
+          </p:cNvPicPr>
+          <p:nvPr/>
+        </p:nvPicPr>
+        <p:blipFill>
+          <a:blip r:embed="rId2" cstate="print"/>
+          <a:stretch>
+            <a:fillRect/>
+          </a:stretch>
+        </p:blipFill>
+        <p:spPr>
+          <a:xfrm>
+            <a:off x="7000892" y="5214950"/>
+            <a:ext cx="1798438" cy="1285884"/>
+          </a:xfrm>
+          <a:prstGeom prst="rect">
+            <a:avLst/>
+          </a:prstGeom>
+        </p:spPr>
+      </p:pic>
     </p:spTree>
   </p:cSld>
   <p:clrMapOvr>
     <a:masterClrMapping/>
   </p:clrMapOvr>
+  <p:timing>
+    <p:tnLst>
+      <p:par>
+        <p:cTn id="1" dur="indefinite" restart="never" nodeType="tmRoot"/>
+      </p:par>
+    </p:tnLst>
+  </p:timing>
+</p:sld>
+</file>
+
+<file path=ppt/slides/slide3.xml><?xml version="1.0" encoding="utf-8"?>
+<p:sld xmlns:a="http://schemas.openxmlformats.org/drawingml/2006/main" xmlns:r="http://schemas.openxmlformats.org/officeDocument/2006/relationships" xmlns:p="http://schemas.openxmlformats.org/presentationml/2006/main">
+  <p:cSld>
+    <p:spTree>
+      <p:nvGrpSpPr>
+        <p:cNvPr id="1" name=""/>
+        <p:cNvGrpSpPr/>
+        <p:nvPr/>
+      </p:nvGrpSpPr>
+      <p:grpSpPr>
+        <a:xfrm>
+          <a:off x="0" y="0"/>
+          <a:ext cx="0" cy="0"/>
+          <a:chOff x="0" y="0"/>
+          <a:chExt cx="0" cy="0"/>
+        </a:xfrm>
+      </p:grpSpPr>
+      <p:sp>
+        <p:nvSpPr>
+          <p:cNvPr id="2" name="عنوان 1"/>
+          <p:cNvSpPr>
+            <a:spLocks noGrp="1"/>
+          </p:cNvSpPr>
+          <p:nvPr>
+            <p:ph type="title"/>
+          </p:nvPr>
+        </p:nvSpPr>
+        <p:spPr>
+          <a:xfrm>
+            <a:off x="502920" y="5180678"/>
+            <a:ext cx="8183880" cy="677214"/>
+          </a:xfrm>
+        </p:spPr>
+        <p:txBody>
+          <a:bodyPr/>
+          <a:lstStyle/>
+          <a:p>
+            <a:pPr algn="ctr"/>
+            <a:r>
+              <a:rPr lang="ar-DZ" dirty="0" smtClean="0">
+                <a:latin typeface="Times New Roman" pitchFamily="18" charset="0"/>
+                <a:cs typeface="Times New Roman" pitchFamily="18" charset="0"/>
+              </a:rPr>
+              <a:t>اصطياد مخترقي الشبكات</a:t>
+            </a:r>
+            <a:endParaRPr lang="ar-SA" dirty="0">
+              <a:latin typeface="Times New Roman" pitchFamily="18" charset="0"/>
+              <a:cs typeface="Times New Roman" pitchFamily="18" charset="0"/>
+            </a:endParaRPr>
+          </a:p>
+        </p:txBody>
+      </p:sp>
+      <p:sp>
+        <p:nvSpPr>
+          <p:cNvPr id="3" name="عنصر نائب للمحتوى 2"/>
+          <p:cNvSpPr>
+            <a:spLocks noGrp="1"/>
+          </p:cNvSpPr>
+          <p:nvPr>
+            <p:ph idx="1"/>
+          </p:nvPr>
+        </p:nvSpPr>
+        <p:spPr>
+          <a:xfrm>
+            <a:off x="502920" y="642918"/>
+            <a:ext cx="8183880" cy="4187952"/>
+          </a:xfrm>
+        </p:spPr>
+        <p:txBody>
+          <a:bodyPr>
+            <a:noAutofit/>
+          </a:bodyPr>
+          <a:lstStyle/>
+          <a:p>
+            <a:pPr algn="ctr">
+              <a:lnSpc>
+                <a:spcPct val="150000"/>
+              </a:lnSpc>
+              <a:buNone/>
+            </a:pPr>
+            <a:r>
+              <a:rPr lang="ar-DZ" sz="4400" dirty="0" smtClean="0">
+                <a:latin typeface="Times New Roman" pitchFamily="18" charset="0"/>
+                <a:cs typeface="DecoType Naskh" pitchFamily="2" charset="-78"/>
+              </a:rPr>
+              <a:t>جهاز وهمي + خدمات + ثغرات = </a:t>
+            </a:r>
+            <a:r>
+              <a:rPr lang="ar-DZ" sz="4400" b="1" dirty="0" smtClean="0">
+                <a:latin typeface="Times New Roman" pitchFamily="18" charset="0"/>
+                <a:cs typeface="DecoType Naskh" pitchFamily="2" charset="-78"/>
+              </a:rPr>
+              <a:t>إمكانية اختراقها </a:t>
+            </a:r>
+          </a:p>
+          <a:p>
+            <a:pPr algn="ctr">
+              <a:lnSpc>
+                <a:spcPct val="150000"/>
+              </a:lnSpc>
+              <a:buNone/>
+            </a:pPr>
+            <a:r>
+              <a:rPr lang="ar-DZ" sz="4400" dirty="0" smtClean="0">
+                <a:latin typeface="Times New Roman" pitchFamily="18" charset="0"/>
+                <a:cs typeface="DecoType Naskh" pitchFamily="2" charset="-78"/>
+              </a:rPr>
+              <a:t>كشف + تتبع = </a:t>
+            </a:r>
+            <a:r>
+              <a:rPr lang="ar-DZ" sz="4400" b="1" dirty="0" smtClean="0">
+                <a:latin typeface="Times New Roman" pitchFamily="18" charset="0"/>
+                <a:cs typeface="DecoType Naskh" pitchFamily="2" charset="-78"/>
+              </a:rPr>
+              <a:t>تحليل</a:t>
+            </a:r>
+          </a:p>
+          <a:p>
+            <a:pPr algn="ctr">
+              <a:lnSpc>
+                <a:spcPct val="150000"/>
+              </a:lnSpc>
+              <a:buFontTx/>
+              <a:buChar char="-"/>
+            </a:pPr>
+            <a:r>
+              <a:rPr lang="ar-DZ" sz="4400" b="1" dirty="0" smtClean="0">
+                <a:latin typeface="Times New Roman" pitchFamily="18" charset="0"/>
+                <a:cs typeface="DecoType Naskh" pitchFamily="2" charset="-78"/>
+              </a:rPr>
+              <a:t> تخضع للفحص</a:t>
+            </a:r>
+          </a:p>
+          <a:p>
+            <a:pPr algn="ctr">
+              <a:lnSpc>
+                <a:spcPct val="150000"/>
+              </a:lnSpc>
+              <a:buFontTx/>
+              <a:buChar char="-"/>
+            </a:pPr>
+            <a:r>
+              <a:rPr lang="ar-DZ" sz="4400" b="1" dirty="0" smtClean="0">
+                <a:latin typeface="Times New Roman" pitchFamily="18" charset="0"/>
+                <a:cs typeface="DecoType Naskh" pitchFamily="2" charset="-78"/>
+              </a:rPr>
+              <a:t> معرضة للاختراق</a:t>
+            </a:r>
+            <a:endParaRPr lang="ar-SA" sz="4400" b="1" dirty="0">
+              <a:latin typeface="Times New Roman" pitchFamily="18" charset="0"/>
+              <a:cs typeface="DecoType Naskh" pitchFamily="2" charset="-78"/>
+            </a:endParaRPr>
+          </a:p>
+        </p:txBody>
+      </p:sp>
+      <p:pic>
+        <p:nvPicPr>
+          <p:cNvPr id="5" name="صورة 4" descr="honeypot_big_logo-c551a80e.png"/>
+          <p:cNvPicPr>
+            <a:picLocks noChangeAspect="1"/>
+          </p:cNvPicPr>
+          <p:nvPr/>
+        </p:nvPicPr>
+        <p:blipFill>
+          <a:blip r:embed="rId2" cstate="print"/>
+          <a:stretch>
+            <a:fillRect/>
+          </a:stretch>
+        </p:blipFill>
+        <p:spPr>
+          <a:xfrm>
+            <a:off x="7000892" y="5214950"/>
+            <a:ext cx="1798438" cy="1285884"/>
+          </a:xfrm>
+          <a:prstGeom prst="rect">
+            <a:avLst/>
+          </a:prstGeom>
+        </p:spPr>
+      </p:pic>
+    </p:spTree>
+  </p:cSld>
+  <p:clrMapOvr>
+    <a:masterClrMapping/>
+  </p:clrMapOvr>
+  <p:timing>
+    <p:tnLst>
+      <p:par>
+        <p:cTn id="1" dur="indefinite" restart="never" nodeType="tmRoot"/>
+      </p:par>
+    </p:tnLst>
+  </p:timing>
+</p:sld>
+</file>
+
+<file path=ppt/slides/slide4.xml><?xml version="1.0" encoding="utf-8"?>
+<p:sld xmlns:a="http://schemas.openxmlformats.org/drawingml/2006/main" xmlns:r="http://schemas.openxmlformats.org/officeDocument/2006/relationships" xmlns:p="http://schemas.openxmlformats.org/presentationml/2006/main">
+  <p:cSld>
+    <p:spTree>
+      <p:nvGrpSpPr>
+        <p:cNvPr id="1" name=""/>
+        <p:cNvGrpSpPr/>
+        <p:nvPr/>
+      </p:nvGrpSpPr>
+      <p:grpSpPr>
+        <a:xfrm>
+          <a:off x="0" y="0"/>
+          <a:ext cx="0" cy="0"/>
+          <a:chOff x="0" y="0"/>
+          <a:chExt cx="0" cy="0"/>
+        </a:xfrm>
+      </p:grpSpPr>
+      <p:sp>
+        <p:nvSpPr>
+          <p:cNvPr id="2" name="عنوان 1"/>
+          <p:cNvSpPr>
+            <a:spLocks noGrp="1"/>
+          </p:cNvSpPr>
+          <p:nvPr>
+            <p:ph type="title"/>
+          </p:nvPr>
+        </p:nvSpPr>
+        <p:spPr>
+          <a:xfrm>
+            <a:off x="502920" y="5180678"/>
+            <a:ext cx="8183880" cy="677214"/>
+          </a:xfrm>
+        </p:spPr>
+        <p:txBody>
+          <a:bodyPr/>
+          <a:lstStyle/>
+          <a:p>
+            <a:pPr algn="ctr"/>
+            <a:r>
+              <a:rPr lang="ar-DZ" dirty="0" smtClean="0">
+                <a:latin typeface="Times New Roman" pitchFamily="18" charset="0"/>
+                <a:cs typeface="Times New Roman" pitchFamily="18" charset="0"/>
+              </a:rPr>
+              <a:t>اصطياد مخترقي الشبكات</a:t>
+            </a:r>
+            <a:endParaRPr lang="ar-SA" dirty="0">
+              <a:latin typeface="Times New Roman" pitchFamily="18" charset="0"/>
+              <a:cs typeface="Times New Roman" pitchFamily="18" charset="0"/>
+            </a:endParaRPr>
+          </a:p>
+        </p:txBody>
+      </p:sp>
+      <p:sp>
+        <p:nvSpPr>
+          <p:cNvPr id="3" name="عنصر نائب للمحتوى 2"/>
+          <p:cNvSpPr>
+            <a:spLocks noGrp="1"/>
+          </p:cNvSpPr>
+          <p:nvPr>
+            <p:ph idx="1"/>
+          </p:nvPr>
+        </p:nvSpPr>
+        <p:spPr/>
+        <p:txBody>
+          <a:bodyPr>
+            <a:noAutofit/>
+          </a:bodyPr>
+          <a:lstStyle/>
+          <a:p>
+            <a:pPr>
+              <a:lnSpc>
+                <a:spcPct val="150000"/>
+              </a:lnSpc>
+            </a:pPr>
+            <a:r>
+              <a:rPr lang="ar-DZ" sz="3600" dirty="0" smtClean="0">
+                <a:latin typeface="Times New Roman" pitchFamily="18" charset="0"/>
+                <a:cs typeface="DecoType Naskh" pitchFamily="2" charset="-78"/>
+              </a:rPr>
+              <a:t> </a:t>
+            </a:r>
+            <a:r>
+              <a:rPr lang="ar-SA" sz="3600" dirty="0" smtClean="0">
+                <a:latin typeface="Times New Roman" pitchFamily="18" charset="0"/>
+                <a:cs typeface="DecoType Naskh" pitchFamily="2" charset="-78"/>
+              </a:rPr>
+              <a:t>هي عبارة عن أنظمة ترتكز فكرتها الأساسية على تضليل المخترقين ومختبري الاختراق وتتبع تحركاتهم داخل النظام ، عبر </a:t>
+            </a:r>
+            <a:r>
+              <a:rPr lang="ar-SA" sz="3600" dirty="0" smtClean="0">
+                <a:latin typeface="Times New Roman" pitchFamily="18" charset="0"/>
+                <a:cs typeface="DecoType Naskh" pitchFamily="2" charset="-78"/>
+              </a:rPr>
+              <a:t>إنشاء </a:t>
+            </a:r>
+            <a:r>
+              <a:rPr lang="ar-SA" sz="3600" dirty="0" smtClean="0">
+                <a:latin typeface="Times New Roman" pitchFamily="18" charset="0"/>
+                <a:cs typeface="DecoType Naskh" pitchFamily="2" charset="-78"/>
+              </a:rPr>
+              <a:t>أنظمة وهمية مليئة بالثغرات لإيهام المخترق بأنه نجح في اختراق النظام. ولكنه فعليا اخترق نظام وهمي ولم يصل لأي شيء داخل الشبكة .</a:t>
+            </a:r>
+            <a:endParaRPr lang="ar-SA" sz="3600" dirty="0">
+              <a:latin typeface="Times New Roman" pitchFamily="18" charset="0"/>
+              <a:cs typeface="DecoType Naskh" pitchFamily="2" charset="-78"/>
+            </a:endParaRPr>
+          </a:p>
+        </p:txBody>
+      </p:sp>
+      <p:pic>
+        <p:nvPicPr>
+          <p:cNvPr id="5" name="صورة 4" descr="honeypot_big_logo-c551a80e.png"/>
+          <p:cNvPicPr>
+            <a:picLocks noChangeAspect="1"/>
+          </p:cNvPicPr>
+          <p:nvPr/>
+        </p:nvPicPr>
+        <p:blipFill>
+          <a:blip r:embed="rId2" cstate="print"/>
+          <a:stretch>
+            <a:fillRect/>
+          </a:stretch>
+        </p:blipFill>
+        <p:spPr>
+          <a:xfrm>
+            <a:off x="7000892" y="5214950"/>
+            <a:ext cx="1798438" cy="1285884"/>
+          </a:xfrm>
+          <a:prstGeom prst="rect">
+            <a:avLst/>
+          </a:prstGeom>
+        </p:spPr>
+      </p:pic>
+    </p:spTree>
+  </p:cSld>
+  <p:clrMapOvr>
+    <a:masterClrMapping/>
+  </p:clrMapOvr>
+  <p:timing>
+    <p:tnLst>
+      <p:par>
+        <p:cTn id="1" dur="indefinite" restart="never" nodeType="tmRoot"/>
+      </p:par>
+    </p:tnLst>
+  </p:timing>
 </p:sld>
 </file>
 
